--- a/演示文稿1.pptx
+++ b/演示文稿1.pptx
@@ -12023,7 +12023,7 @@
         <p:spPr>
           <a:xfrm>
             <a:off x="821690" y="1883410"/>
-            <a:ext cx="5615305" cy="2676525"/>
+            <a:ext cx="5615305" cy="3415030"/>
           </a:xfrm>
           <a:prstGeom prst="rect">
             <a:avLst/>
@@ -12140,6 +12140,92 @@
                 </a:gradFill>
               </a:rPr>
               <a:t>框架</a:t>
+            </a:r>
+            <a:endParaRPr lang="zh-CN" altLang="en-US" sz="2400">
+              <a:gradFill>
+                <a:gsLst>
+                  <a:gs pos="0">
+                    <a:srgbClr val="FE4444"/>
+                  </a:gs>
+                  <a:gs pos="100000">
+                    <a:srgbClr val="832B2B"/>
+                  </a:gs>
+                </a:gsLst>
+                <a:lin scaled="0"/>
+              </a:gradFill>
+            </a:endParaRPr>
+          </a:p>
+          <a:p>
+            <a:pPr marL="285750" indent="-285750" algn="l">
+              <a:buFont typeface="Wingdings" panose="05000000000000000000" charset="0"/>
+              <a:buChar char="u"/>
+            </a:pPr>
+            <a:endParaRPr lang="zh-CN" altLang="en-US" sz="2400">
+              <a:gradFill>
+                <a:gsLst>
+                  <a:gs pos="0">
+                    <a:srgbClr val="FE4444"/>
+                  </a:gs>
+                  <a:gs pos="100000">
+                    <a:srgbClr val="832B2B"/>
+                  </a:gs>
+                </a:gsLst>
+                <a:lin scaled="0"/>
+              </a:gradFill>
+            </a:endParaRPr>
+          </a:p>
+          <a:p>
+            <a:pPr marL="285750" indent="-285750" algn="l">
+              <a:buFont typeface="Wingdings" panose="05000000000000000000" charset="0"/>
+              <a:buChar char="u"/>
+            </a:pPr>
+            <a:r>
+              <a:rPr lang="zh-CN" altLang="en-US" sz="2400">
+                <a:gradFill>
+                  <a:gsLst>
+                    <a:gs pos="0">
+                      <a:srgbClr val="FE4444"/>
+                    </a:gs>
+                    <a:gs pos="100000">
+                      <a:srgbClr val="832B2B"/>
+                    </a:gs>
+                  </a:gsLst>
+                  <a:lin scaled="0"/>
+                </a:gradFill>
+              </a:rPr>
+              <a:t>使用了</a:t>
+            </a:r>
+            <a:r>
+              <a:rPr lang="en-US" altLang="zh-CN" sz="2400">
+                <a:gradFill>
+                  <a:gsLst>
+                    <a:gs pos="0">
+                      <a:srgbClr val="FE4444"/>
+                    </a:gs>
+                    <a:gs pos="100000">
+                      <a:srgbClr val="832B2B"/>
+                    </a:gs>
+                  </a:gsLst>
+                  <a:lin scaled="0"/>
+                </a:gradFill>
+              </a:rPr>
+              <a:t>wiper</a:t>
+            </a:r>
+            <a:r>
+              <a:rPr lang="zh-CN" altLang="en-US" sz="2400">
+                <a:gradFill>
+                  <a:gsLst>
+                    <a:gs pos="0">
+                      <a:srgbClr val="FE4444"/>
+                    </a:gs>
+                    <a:gs pos="100000">
+                      <a:srgbClr val="832B2B"/>
+                    </a:gs>
+                  </a:gsLst>
+                  <a:lin scaled="0"/>
+                </a:gradFill>
+              </a:rPr>
+              <a:t>制作轮播图</a:t>
             </a:r>
             <a:endParaRPr lang="zh-CN" altLang="en-US" sz="2400">
               <a:gradFill>
